--- a/Web/ProjectV2.pptx
+++ b/Web/ProjectV2.pptx
@@ -8,21 +8,20 @@
     <p:sldId id="256" r:id="rId2"/>
     <p:sldId id="257" r:id="rId3"/>
     <p:sldId id="258" r:id="rId4"/>
-    <p:sldId id="265" r:id="rId5"/>
+    <p:sldId id="259" r:id="rId5"/>
     <p:sldId id="263" r:id="rId6"/>
     <p:sldId id="264" r:id="rId7"/>
-    <p:sldId id="259" r:id="rId8"/>
-    <p:sldId id="260" r:id="rId9"/>
-    <p:sldId id="266" r:id="rId10"/>
-    <p:sldId id="267" r:id="rId11"/>
-    <p:sldId id="268" r:id="rId12"/>
-    <p:sldId id="270" r:id="rId13"/>
-    <p:sldId id="271" r:id="rId14"/>
-    <p:sldId id="272" r:id="rId15"/>
-    <p:sldId id="273" r:id="rId16"/>
-    <p:sldId id="261" r:id="rId17"/>
-    <p:sldId id="274" r:id="rId18"/>
-    <p:sldId id="262" r:id="rId19"/>
+    <p:sldId id="260" r:id="rId8"/>
+    <p:sldId id="266" r:id="rId9"/>
+    <p:sldId id="267" r:id="rId10"/>
+    <p:sldId id="268" r:id="rId11"/>
+    <p:sldId id="270" r:id="rId12"/>
+    <p:sldId id="271" r:id="rId13"/>
+    <p:sldId id="272" r:id="rId14"/>
+    <p:sldId id="273" r:id="rId15"/>
+    <p:sldId id="261" r:id="rId16"/>
+    <p:sldId id="274" r:id="rId17"/>
+    <p:sldId id="262" r:id="rId18"/>
   </p:sldIdLst>
   <p:sldSz cx="12192000" cy="6858000"/>
   <p:notesSz cx="6858000" cy="9144000"/>
@@ -790,6 +789,112 @@
             <ac:picMk id="7" creationId="{70E20443-4CA2-2606-0BC1-550326650B8B}"/>
           </ac:picMkLst>
         </pc:picChg>
+      </pc:sldChg>
+    </pc:docChg>
+  </pc:docChgLst>
+  <pc:docChgLst>
+    <pc:chgData name="Saurabh Singh" userId="09639398d9f4e8f2" providerId="LiveId" clId="{3FA0F5E5-11BE-4C35-93EC-0098288450A0}"/>
+    <pc:docChg chg="delSld modSld sldOrd">
+      <pc:chgData name="Saurabh Singh" userId="09639398d9f4e8f2" providerId="LiveId" clId="{3FA0F5E5-11BE-4C35-93EC-0098288450A0}" dt="2024-04-15T05:11:51.325" v="63" actId="20577"/>
+      <pc:docMkLst>
+        <pc:docMk/>
+      </pc:docMkLst>
+      <pc:sldChg chg="ord">
+        <pc:chgData name="Saurabh Singh" userId="09639398d9f4e8f2" providerId="LiveId" clId="{3FA0F5E5-11BE-4C35-93EC-0098288450A0}" dt="2024-04-14T17:30:32.507" v="12"/>
+        <pc:sldMkLst>
+          <pc:docMk/>
+          <pc:sldMk cId="591139764" sldId="259"/>
+        </pc:sldMkLst>
+      </pc:sldChg>
+      <pc:sldChg chg="modSp">
+        <pc:chgData name="Saurabh Singh" userId="09639398d9f4e8f2" providerId="LiveId" clId="{3FA0F5E5-11BE-4C35-93EC-0098288450A0}" dt="2024-04-15T05:09:57.951" v="57" actId="20577"/>
+        <pc:sldMkLst>
+          <pc:docMk/>
+          <pc:sldMk cId="1842089827" sldId="260"/>
+        </pc:sldMkLst>
+        <pc:graphicFrameChg chg="mod">
+          <ac:chgData name="Saurabh Singh" userId="09639398d9f4e8f2" providerId="LiveId" clId="{3FA0F5E5-11BE-4C35-93EC-0098288450A0}" dt="2024-04-15T05:09:57.951" v="57" actId="20577"/>
+          <ac:graphicFrameMkLst>
+            <pc:docMk/>
+            <pc:sldMk cId="1842089827" sldId="260"/>
+            <ac:graphicFrameMk id="5" creationId="{1E3A2FB3-AC79-027C-48A3-2A6CBEB8200B}"/>
+          </ac:graphicFrameMkLst>
+        </pc:graphicFrameChg>
+      </pc:sldChg>
+      <pc:sldChg chg="addSp modSp mod">
+        <pc:chgData name="Saurabh Singh" userId="09639398d9f4e8f2" providerId="LiveId" clId="{3FA0F5E5-11BE-4C35-93EC-0098288450A0}" dt="2024-04-14T17:29:49.594" v="5" actId="20577"/>
+        <pc:sldMkLst>
+          <pc:docMk/>
+          <pc:sldMk cId="2716878390" sldId="263"/>
+        </pc:sldMkLst>
+        <pc:spChg chg="add mod">
+          <ac:chgData name="Saurabh Singh" userId="09639398d9f4e8f2" providerId="LiveId" clId="{3FA0F5E5-11BE-4C35-93EC-0098288450A0}" dt="2024-04-14T17:29:49.594" v="5" actId="20577"/>
+          <ac:spMkLst>
+            <pc:docMk/>
+            <pc:sldMk cId="2716878390" sldId="263"/>
+            <ac:spMk id="6" creationId="{F7B8AD5F-FC0A-9396-45A6-F5061077205E}"/>
+          </ac:spMkLst>
+        </pc:spChg>
+      </pc:sldChg>
+      <pc:sldChg chg="addSp modSp mod">
+        <pc:chgData name="Saurabh Singh" userId="09639398d9f4e8f2" providerId="LiveId" clId="{3FA0F5E5-11BE-4C35-93EC-0098288450A0}" dt="2024-04-14T17:30:09.081" v="9" actId="113"/>
+        <pc:sldMkLst>
+          <pc:docMk/>
+          <pc:sldMk cId="1005519157" sldId="264"/>
+        </pc:sldMkLst>
+        <pc:spChg chg="add mod">
+          <ac:chgData name="Saurabh Singh" userId="09639398d9f4e8f2" providerId="LiveId" clId="{3FA0F5E5-11BE-4C35-93EC-0098288450A0}" dt="2024-04-14T17:30:09.081" v="9" actId="113"/>
+          <ac:spMkLst>
+            <pc:docMk/>
+            <pc:sldMk cId="1005519157" sldId="264"/>
+            <ac:spMk id="6" creationId="{50B0526A-0E68-CA05-1CBD-45191A040B47}"/>
+          </ac:spMkLst>
+        </pc:spChg>
+      </pc:sldChg>
+      <pc:sldChg chg="del">
+        <pc:chgData name="Saurabh Singh" userId="09639398d9f4e8f2" providerId="LiveId" clId="{3FA0F5E5-11BE-4C35-93EC-0098288450A0}" dt="2024-04-14T17:30:15.538" v="10" actId="2696"/>
+        <pc:sldMkLst>
+          <pc:docMk/>
+          <pc:sldMk cId="667645948" sldId="265"/>
+        </pc:sldMkLst>
+      </pc:sldChg>
+      <pc:sldChg chg="modSp mod">
+        <pc:chgData name="Saurabh Singh" userId="09639398d9f4e8f2" providerId="LiveId" clId="{3FA0F5E5-11BE-4C35-93EC-0098288450A0}" dt="2024-04-15T05:11:24.833" v="61" actId="1076"/>
+        <pc:sldMkLst>
+          <pc:docMk/>
+          <pc:sldMk cId="309957813" sldId="270"/>
+        </pc:sldMkLst>
+        <pc:picChg chg="mod">
+          <ac:chgData name="Saurabh Singh" userId="09639398d9f4e8f2" providerId="LiveId" clId="{3FA0F5E5-11BE-4C35-93EC-0098288450A0}" dt="2024-04-15T05:11:24.833" v="61" actId="1076"/>
+          <ac:picMkLst>
+            <pc:docMk/>
+            <pc:sldMk cId="309957813" sldId="270"/>
+            <ac:picMk id="5" creationId="{3565526F-C038-49A4-3CA7-6CA413431D33}"/>
+          </ac:picMkLst>
+        </pc:picChg>
+        <pc:picChg chg="mod">
+          <ac:chgData name="Saurabh Singh" userId="09639398d9f4e8f2" providerId="LiveId" clId="{3FA0F5E5-11BE-4C35-93EC-0098288450A0}" dt="2024-04-15T05:11:19.312" v="60" actId="1076"/>
+          <ac:picMkLst>
+            <pc:docMk/>
+            <pc:sldMk cId="309957813" sldId="270"/>
+            <ac:picMk id="7" creationId="{2C648B30-C092-9746-ABF5-5A753D6C53B3}"/>
+          </ac:picMkLst>
+        </pc:picChg>
+      </pc:sldChg>
+      <pc:sldChg chg="modSp mod">
+        <pc:chgData name="Saurabh Singh" userId="09639398d9f4e8f2" providerId="LiveId" clId="{3FA0F5E5-11BE-4C35-93EC-0098288450A0}" dt="2024-04-15T05:11:51.325" v="63" actId="20577"/>
+        <pc:sldMkLst>
+          <pc:docMk/>
+          <pc:sldMk cId="2475690232" sldId="272"/>
+        </pc:sldMkLst>
+        <pc:spChg chg="mod">
+          <ac:chgData name="Saurabh Singh" userId="09639398d9f4e8f2" providerId="LiveId" clId="{3FA0F5E5-11BE-4C35-93EC-0098288450A0}" dt="2024-04-15T05:11:51.325" v="63" actId="20577"/>
+          <ac:spMkLst>
+            <pc:docMk/>
+            <pc:sldMk cId="2475690232" sldId="272"/>
+            <ac:spMk id="2" creationId="{DCFA7E98-5157-2A3F-C5B1-012DF3D9B0AC}"/>
+          </ac:spMkLst>
+        </pc:spChg>
       </pc:sldChg>
     </pc:docChg>
   </pc:docChgLst>
@@ -2365,9 +2470,12 @@
           </a:r>
           <a:r>
             <a:rPr lang="en-US" dirty="0" err="1"/>
-            <a:t>pm.tests</a:t>
+            <a:t>pm.test</a:t>
           </a:r>
-          <a:endParaRPr lang="en-US" dirty="0"/>
+          <a:r>
+            <a:rPr lang="en-US" dirty="0"/>
+            <a:t>()</a:t>
+          </a:r>
         </a:p>
       </dgm:t>
     </dgm:pt>
@@ -2501,6 +2609,78 @@
         </a:p>
       </dgm:t>
     </dgm:pt>
+    <dgm:pt modelId="{89E227BC-8203-4FFA-98E7-75B6F6FE3601}">
+      <dgm:prSet phldrT="[Text]"/>
+      <dgm:spPr/>
+      <dgm:t>
+        <a:bodyPr/>
+        <a:lstStyle/>
+        <a:p>
+          <a:r>
+            <a:rPr lang="en-US" dirty="0"/>
+            <a:t>Verify Response time</a:t>
+          </a:r>
+        </a:p>
+      </dgm:t>
+    </dgm:pt>
+    <dgm:pt modelId="{FEF53F11-70AD-4371-AD8C-4EFD802958F2}" type="parTrans" cxnId="{A246FD97-A451-4273-8C44-5CED859E7F38}">
+      <dgm:prSet/>
+      <dgm:spPr/>
+      <dgm:t>
+        <a:bodyPr/>
+        <a:lstStyle/>
+        <a:p>
+          <a:endParaRPr lang="en-US"/>
+        </a:p>
+      </dgm:t>
+    </dgm:pt>
+    <dgm:pt modelId="{A8BAB388-6F7C-4DBB-82A7-345EFF353B7D}" type="sibTrans" cxnId="{A246FD97-A451-4273-8C44-5CED859E7F38}">
+      <dgm:prSet/>
+      <dgm:spPr/>
+      <dgm:t>
+        <a:bodyPr/>
+        <a:lstStyle/>
+        <a:p>
+          <a:endParaRPr lang="en-US"/>
+        </a:p>
+      </dgm:t>
+    </dgm:pt>
+    <dgm:pt modelId="{31CF6CA4-0EA8-44ED-A390-505317C45942}">
+      <dgm:prSet phldrT="[Text]"/>
+      <dgm:spPr/>
+      <dgm:t>
+        <a:bodyPr/>
+        <a:lstStyle/>
+        <a:p>
+          <a:r>
+            <a:rPr lang="en-US" dirty="0"/>
+            <a:t>Verify response body</a:t>
+          </a:r>
+        </a:p>
+      </dgm:t>
+    </dgm:pt>
+    <dgm:pt modelId="{47B501E6-7443-42CC-84F3-EEBD73422993}" type="parTrans" cxnId="{396108F6-5DA4-4DED-82B4-C8341B3F71AC}">
+      <dgm:prSet/>
+      <dgm:spPr/>
+      <dgm:t>
+        <a:bodyPr/>
+        <a:lstStyle/>
+        <a:p>
+          <a:endParaRPr lang="en-US"/>
+        </a:p>
+      </dgm:t>
+    </dgm:pt>
+    <dgm:pt modelId="{24C11809-1063-4AC7-A894-2C742B6FFBBE}" type="sibTrans" cxnId="{396108F6-5DA4-4DED-82B4-C8341B3F71AC}">
+      <dgm:prSet/>
+      <dgm:spPr/>
+      <dgm:t>
+        <a:bodyPr/>
+        <a:lstStyle/>
+        <a:p>
+          <a:endParaRPr lang="en-US"/>
+        </a:p>
+      </dgm:t>
+    </dgm:pt>
     <dgm:pt modelId="{0E2FE25A-28A2-4CAC-8D51-7F9DF9DC89B4}" type="pres">
       <dgm:prSet presAssocID="{40B2EC84-633B-4EEB-9ADA-B62DD8DD1A69}" presName="Name0" presStyleCnt="0">
         <dgm:presLayoutVars>
@@ -2525,7 +2705,7 @@
       <dgm:spPr/>
     </dgm:pt>
     <dgm:pt modelId="{1F622726-5658-4EE2-B8C1-FD81769FB61F}" type="pres">
-      <dgm:prSet presAssocID="{6003EBE1-8075-42A1-A740-A737164431B4}" presName="node" presStyleLbl="alignAccFollowNode1" presStyleIdx="0" presStyleCnt="11">
+      <dgm:prSet presAssocID="{6003EBE1-8075-42A1-A740-A737164431B4}" presName="node" presStyleLbl="alignAccFollowNode1" presStyleIdx="0" presStyleCnt="13">
         <dgm:presLayoutVars>
           <dgm:bulletEnabled val="1"/>
         </dgm:presLayoutVars>
@@ -2537,7 +2717,7 @@
       <dgm:spPr/>
     </dgm:pt>
     <dgm:pt modelId="{80169A54-DCBF-43D6-B52D-41358F62FC7F}" type="pres">
-      <dgm:prSet presAssocID="{ED57E2DC-C7EA-45EE-95B3-DF7DEB3F044D}" presName="node" presStyleLbl="alignAccFollowNode1" presStyleIdx="1" presStyleCnt="11">
+      <dgm:prSet presAssocID="{ED57E2DC-C7EA-45EE-95B3-DF7DEB3F044D}" presName="node" presStyleLbl="alignAccFollowNode1" presStyleIdx="1" presStyleCnt="13">
         <dgm:presLayoutVars>
           <dgm:bulletEnabled val="1"/>
         </dgm:presLayoutVars>
@@ -2549,7 +2729,7 @@
       <dgm:spPr/>
     </dgm:pt>
     <dgm:pt modelId="{5205A4B1-B8DF-4017-AEC7-9FDB6ECA26E2}" type="pres">
-      <dgm:prSet presAssocID="{B7FDCB4C-638C-47FB-ABCA-0F59528E7273}" presName="node" presStyleLbl="alignAccFollowNode1" presStyleIdx="2" presStyleCnt="11">
+      <dgm:prSet presAssocID="{B7FDCB4C-638C-47FB-ABCA-0F59528E7273}" presName="node" presStyleLbl="alignAccFollowNode1" presStyleIdx="2" presStyleCnt="13">
         <dgm:presLayoutVars>
           <dgm:bulletEnabled val="1"/>
         </dgm:presLayoutVars>
@@ -2561,7 +2741,7 @@
       <dgm:spPr/>
     </dgm:pt>
     <dgm:pt modelId="{32BD7F59-9D4B-489A-9159-DD81A9081B19}" type="pres">
-      <dgm:prSet presAssocID="{8CA70BBA-895A-46E0-860A-E7C582A8A3BB}" presName="node" presStyleLbl="alignAccFollowNode1" presStyleIdx="3" presStyleCnt="11">
+      <dgm:prSet presAssocID="{8CA70BBA-895A-46E0-860A-E7C582A8A3BB}" presName="node" presStyleLbl="alignAccFollowNode1" presStyleIdx="3" presStyleCnt="13">
         <dgm:presLayoutVars>
           <dgm:bulletEnabled val="1"/>
         </dgm:presLayoutVars>
@@ -2573,7 +2753,7 @@
       <dgm:spPr/>
     </dgm:pt>
     <dgm:pt modelId="{3ED9CA7A-D17F-4D37-AC31-2DBD1ED1E1B9}" type="pres">
-      <dgm:prSet presAssocID="{061437DA-0CE4-4E5E-A04E-A58C4F518281}" presName="node" presStyleLbl="alignAccFollowNode1" presStyleIdx="4" presStyleCnt="11">
+      <dgm:prSet presAssocID="{061437DA-0CE4-4E5E-A04E-A58C4F518281}" presName="node" presStyleLbl="alignAccFollowNode1" presStyleIdx="4" presStyleCnt="13">
         <dgm:presLayoutVars>
           <dgm:bulletEnabled val="1"/>
         </dgm:presLayoutVars>
@@ -2597,7 +2777,7 @@
       <dgm:spPr/>
     </dgm:pt>
     <dgm:pt modelId="{643746B8-2C36-425E-931C-988838450574}" type="pres">
-      <dgm:prSet presAssocID="{00F9874E-50E0-4D41-A4C3-2E2C10561DA4}" presName="node" presStyleLbl="alignAccFollowNode1" presStyleIdx="5" presStyleCnt="11">
+      <dgm:prSet presAssocID="{00F9874E-50E0-4D41-A4C3-2E2C10561DA4}" presName="node" presStyleLbl="alignAccFollowNode1" presStyleIdx="5" presStyleCnt="13">
         <dgm:presLayoutVars>
           <dgm:bulletEnabled val="1"/>
         </dgm:presLayoutVars>
@@ -2609,7 +2789,31 @@
       <dgm:spPr/>
     </dgm:pt>
     <dgm:pt modelId="{DCCFA68A-5BDE-4141-BA94-429567CF6E45}" type="pres">
-      <dgm:prSet presAssocID="{8DC718A7-E5F6-40CE-80C6-96DF1D448297}" presName="node" presStyleLbl="alignAccFollowNode1" presStyleIdx="6" presStyleCnt="11">
+      <dgm:prSet presAssocID="{8DC718A7-E5F6-40CE-80C6-96DF1D448297}" presName="node" presStyleLbl="alignAccFollowNode1" presStyleIdx="6" presStyleCnt="13">
+        <dgm:presLayoutVars>
+          <dgm:bulletEnabled val="1"/>
+        </dgm:presLayoutVars>
+      </dgm:prSet>
+      <dgm:spPr/>
+    </dgm:pt>
+    <dgm:pt modelId="{781F0E49-2DE6-4809-B75E-DCFFF7F921BA}" type="pres">
+      <dgm:prSet presAssocID="{CC64F2A2-17A0-406D-A9A0-3BB63C16F33E}" presName="sibTrans" presStyleCnt="0"/>
+      <dgm:spPr/>
+    </dgm:pt>
+    <dgm:pt modelId="{6075A5C5-D171-4A79-B49C-C919AC195423}" type="pres">
+      <dgm:prSet presAssocID="{89E227BC-8203-4FFA-98E7-75B6F6FE3601}" presName="node" presStyleLbl="alignAccFollowNode1" presStyleIdx="7" presStyleCnt="13">
+        <dgm:presLayoutVars>
+          <dgm:bulletEnabled val="1"/>
+        </dgm:presLayoutVars>
+      </dgm:prSet>
+      <dgm:spPr/>
+    </dgm:pt>
+    <dgm:pt modelId="{E7432B94-5A63-4434-88E5-040352E67FFB}" type="pres">
+      <dgm:prSet presAssocID="{A8BAB388-6F7C-4DBB-82A7-345EFF353B7D}" presName="sibTrans" presStyleCnt="0"/>
+      <dgm:spPr/>
+    </dgm:pt>
+    <dgm:pt modelId="{3000AE38-D654-4FD7-8574-6FA147E2AC6C}" type="pres">
+      <dgm:prSet presAssocID="{31CF6CA4-0EA8-44ED-A390-505317C45942}" presName="node" presStyleLbl="alignAccFollowNode1" presStyleIdx="8" presStyleCnt="13">
         <dgm:presLayoutVars>
           <dgm:bulletEnabled val="1"/>
         </dgm:presLayoutVars>
@@ -2633,7 +2837,7 @@
       <dgm:spPr/>
     </dgm:pt>
     <dgm:pt modelId="{CDD97908-F25D-4B4F-A38D-E6D2BC6B88E4}" type="pres">
-      <dgm:prSet presAssocID="{162468DB-3F08-45CC-835D-204EE3CFD953}" presName="node" presStyleLbl="alignAccFollowNode1" presStyleIdx="7" presStyleCnt="11">
+      <dgm:prSet presAssocID="{162468DB-3F08-45CC-835D-204EE3CFD953}" presName="node" presStyleLbl="alignAccFollowNode1" presStyleIdx="9" presStyleCnt="13">
         <dgm:presLayoutVars>
           <dgm:bulletEnabled val="1"/>
         </dgm:presLayoutVars>
@@ -2645,7 +2849,7 @@
       <dgm:spPr/>
     </dgm:pt>
     <dgm:pt modelId="{2DAAE9B0-438F-45DA-BCFA-145ED7185E8E}" type="pres">
-      <dgm:prSet presAssocID="{440D958F-6255-4EE0-8734-54D01A378617}" presName="node" presStyleLbl="alignAccFollowNode1" presStyleIdx="8" presStyleCnt="11">
+      <dgm:prSet presAssocID="{440D958F-6255-4EE0-8734-54D01A378617}" presName="node" presStyleLbl="alignAccFollowNode1" presStyleIdx="10" presStyleCnt="13">
         <dgm:presLayoutVars>
           <dgm:bulletEnabled val="1"/>
         </dgm:presLayoutVars>
@@ -2669,7 +2873,7 @@
       <dgm:spPr/>
     </dgm:pt>
     <dgm:pt modelId="{F658FE6D-7AC1-4A0E-9F27-0B3B038E4B41}" type="pres">
-      <dgm:prSet presAssocID="{588903D3-750A-4186-9DD5-2714778126E3}" presName="node" presStyleLbl="alignAccFollowNode1" presStyleIdx="9" presStyleCnt="11">
+      <dgm:prSet presAssocID="{588903D3-750A-4186-9DD5-2714778126E3}" presName="node" presStyleLbl="alignAccFollowNode1" presStyleIdx="11" presStyleCnt="13">
         <dgm:presLayoutVars>
           <dgm:bulletEnabled val="1"/>
         </dgm:presLayoutVars>
@@ -2681,7 +2885,7 @@
       <dgm:spPr/>
     </dgm:pt>
     <dgm:pt modelId="{85A61B7B-F79A-4C8F-B9EE-38E62666EBCE}" type="pres">
-      <dgm:prSet presAssocID="{48DE9CFC-1AB7-428C-B129-2C0B9B81B7D1}" presName="node" presStyleLbl="alignAccFollowNode1" presStyleIdx="10" presStyleCnt="11">
+      <dgm:prSet presAssocID="{48DE9CFC-1AB7-428C-B129-2C0B9B81B7D1}" presName="node" presStyleLbl="alignAccFollowNode1" presStyleIdx="12" presStyleCnt="13">
         <dgm:presLayoutVars>
           <dgm:bulletEnabled val="1"/>
         </dgm:presLayoutVars>
@@ -2692,6 +2896,7 @@
   <dgm:cxnLst>
     <dgm:cxn modelId="{557B6F02-B659-4F1C-B50F-04627FDDB06B}" srcId="{40B2EC84-633B-4EEB-9ADA-B62DD8DD1A69}" destId="{B4FFA632-B432-4B84-AB3C-303DE0D5BA04}" srcOrd="2" destOrd="0" parTransId="{ABAE67DD-D261-4FB4-8EF8-F8777A78029F}" sibTransId="{A62AA151-37CB-43F8-84F0-EED1DD18A050}"/>
     <dgm:cxn modelId="{9168D806-5D80-430B-B0D4-86524FDF3C94}" srcId="{431BF856-9224-4E17-A3A8-A3B22B2A2F84}" destId="{48DE9CFC-1AB7-428C-B129-2C0B9B81B7D1}" srcOrd="1" destOrd="0" parTransId="{2096F182-9304-432C-A805-1B7C73F27948}" sibTransId="{C8C94331-A443-44F5-A35A-7E2170798F92}"/>
+    <dgm:cxn modelId="{8250D91E-D162-4A7F-8177-F80DE202C259}" type="presOf" srcId="{89E227BC-8203-4FFA-98E7-75B6F6FE3601}" destId="{6075A5C5-D171-4A79-B49C-C919AC195423}" srcOrd="0" destOrd="0" presId="urn:microsoft.com/office/officeart/2005/8/layout/lProcess3"/>
     <dgm:cxn modelId="{8D50882A-B60F-49D4-916C-13AB647B5E2F}" type="presOf" srcId="{061437DA-0CE4-4E5E-A04E-A58C4F518281}" destId="{3ED9CA7A-D17F-4D37-AC31-2DBD1ED1E1B9}" srcOrd="0" destOrd="0" presId="urn:microsoft.com/office/officeart/2005/8/layout/lProcess3"/>
     <dgm:cxn modelId="{301D032C-E113-4B26-91DE-29C0B6BEDEBC}" type="presOf" srcId="{905891D6-F724-4F35-92F2-1ED98F31D333}" destId="{4E85CB8C-91AF-4089-8C32-882635458FD6}" srcOrd="0" destOrd="0" presId="urn:microsoft.com/office/officeart/2005/8/layout/lProcess3"/>
     <dgm:cxn modelId="{2F741B34-88A5-48DA-AEDD-A4A461496B9D}" srcId="{40B2EC84-633B-4EEB-9ADA-B62DD8DD1A69}" destId="{669CAEA7-6BC3-4294-8827-195CE773E083}" srcOrd="0" destOrd="0" parTransId="{F2672B84-BC0E-4A41-993F-ED090B036C46}" sibTransId="{42EE123F-9E5C-435C-A34E-272BE57B782A}"/>
@@ -2706,6 +2911,7 @@
     <dgm:cxn modelId="{E6DF4194-715A-4378-80C1-E0655D5684C8}" type="presOf" srcId="{40B2EC84-633B-4EEB-9ADA-B62DD8DD1A69}" destId="{0E2FE25A-28A2-4CAC-8D51-7F9DF9DC89B4}" srcOrd="0" destOrd="0" presId="urn:microsoft.com/office/officeart/2005/8/layout/lProcess3"/>
     <dgm:cxn modelId="{0AFA6595-FA02-40D7-8A2D-D4E27605A073}" srcId="{905891D6-F724-4F35-92F2-1ED98F31D333}" destId="{8DC718A7-E5F6-40CE-80C6-96DF1D448297}" srcOrd="1" destOrd="0" parTransId="{C1074807-634B-4D51-A1E4-8FA2D03E3B36}" sibTransId="{CC64F2A2-17A0-406D-A9A0-3BB63C16F33E}"/>
     <dgm:cxn modelId="{DF4E0296-A111-4E2D-9AD9-B7241DB0B618}" type="presOf" srcId="{440D958F-6255-4EE0-8734-54D01A378617}" destId="{2DAAE9B0-438F-45DA-BCFA-145ED7185E8E}" srcOrd="0" destOrd="0" presId="urn:microsoft.com/office/officeart/2005/8/layout/lProcess3"/>
+    <dgm:cxn modelId="{A246FD97-A451-4273-8C44-5CED859E7F38}" srcId="{905891D6-F724-4F35-92F2-1ED98F31D333}" destId="{89E227BC-8203-4FFA-98E7-75B6F6FE3601}" srcOrd="2" destOrd="0" parTransId="{FEF53F11-70AD-4371-AD8C-4EFD802958F2}" sibTransId="{A8BAB388-6F7C-4DBB-82A7-345EFF353B7D}"/>
     <dgm:cxn modelId="{F932E89E-E6A4-455C-85FC-C5DD7B131AE8}" srcId="{B4FFA632-B432-4B84-AB3C-303DE0D5BA04}" destId="{162468DB-3F08-45CC-835D-204EE3CFD953}" srcOrd="0" destOrd="0" parTransId="{DE471CB2-B8FD-4FFF-8FD7-3CE8BB09F774}" sibTransId="{161D03B9-DA6E-4BD9-A4CC-CA25B9EE9BAD}"/>
     <dgm:cxn modelId="{82B686A4-80E9-4D15-B6CD-B9AB3BD2A5E8}" srcId="{431BF856-9224-4E17-A3A8-A3B22B2A2F84}" destId="{588903D3-750A-4186-9DD5-2714778126E3}" srcOrd="0" destOrd="0" parTransId="{4499D1A3-2E18-47B3-BCB0-DD96BFF14844}" sibTransId="{9CB3C46E-397A-496D-9F93-29E6A5EBB50B}"/>
     <dgm:cxn modelId="{45DC87A6-5F8B-4DDC-A4F6-6F7A7A97995B}" srcId="{40B2EC84-633B-4EEB-9ADA-B62DD8DD1A69}" destId="{431BF856-9224-4E17-A3A8-A3B22B2A2F84}" srcOrd="3" destOrd="0" parTransId="{EA6CFA4F-7C99-402B-AB85-EE40679BBB89}" sibTransId="{7AFBA4D2-79BD-432C-8475-738F4134A802}"/>
@@ -2718,6 +2924,8 @@
     <dgm:cxn modelId="{3B4F0EEC-205D-40FC-9AED-879FE7BEEE2D}" type="presOf" srcId="{8DC718A7-E5F6-40CE-80C6-96DF1D448297}" destId="{DCCFA68A-5BDE-4141-BA94-429567CF6E45}" srcOrd="0" destOrd="0" presId="urn:microsoft.com/office/officeart/2005/8/layout/lProcess3"/>
     <dgm:cxn modelId="{8F1B86ED-EFDC-4059-A98A-0D4EC3C8681C}" type="presOf" srcId="{162468DB-3F08-45CC-835D-204EE3CFD953}" destId="{CDD97908-F25D-4B4F-A38D-E6D2BC6B88E4}" srcOrd="0" destOrd="0" presId="urn:microsoft.com/office/officeart/2005/8/layout/lProcess3"/>
     <dgm:cxn modelId="{1BA98DF4-060C-40D6-9018-AB4B711F7ABC}" type="presOf" srcId="{669CAEA7-6BC3-4294-8827-195CE773E083}" destId="{C846568B-8091-4EEF-948A-F127BC691387}" srcOrd="0" destOrd="0" presId="urn:microsoft.com/office/officeart/2005/8/layout/lProcess3"/>
+    <dgm:cxn modelId="{396108F6-5DA4-4DED-82B4-C8341B3F71AC}" srcId="{905891D6-F724-4F35-92F2-1ED98F31D333}" destId="{31CF6CA4-0EA8-44ED-A390-505317C45942}" srcOrd="3" destOrd="0" parTransId="{47B501E6-7443-42CC-84F3-EEBD73422993}" sibTransId="{24C11809-1063-4AC7-A894-2C742B6FFBBE}"/>
+    <dgm:cxn modelId="{D44894F6-8060-4CA8-80F3-4A9AA48DE9A7}" type="presOf" srcId="{31CF6CA4-0EA8-44ED-A390-505317C45942}" destId="{3000AE38-D654-4FD7-8574-6FA147E2AC6C}" srcOrd="0" destOrd="0" presId="urn:microsoft.com/office/officeart/2005/8/layout/lProcess3"/>
     <dgm:cxn modelId="{F25349F9-2A9D-43CE-89BA-6F0B0B251824}" srcId="{669CAEA7-6BC3-4294-8827-195CE773E083}" destId="{ED57E2DC-C7EA-45EE-95B3-DF7DEB3F044D}" srcOrd="1" destOrd="0" parTransId="{B6DCC81E-0B11-450D-AACB-07455185F0FE}" sibTransId="{E381FF65-C2B5-41DA-8288-BB78073A7CFD}"/>
     <dgm:cxn modelId="{EB879CFE-71BB-4EA5-969A-07A8C987F1C5}" type="presOf" srcId="{588903D3-750A-4186-9DD5-2714778126E3}" destId="{F658FE6D-7AC1-4A0E-9F27-0B3B038E4B41}" srcOrd="0" destOrd="0" presId="urn:microsoft.com/office/officeart/2005/8/layout/lProcess3"/>
     <dgm:cxn modelId="{98FDCDFE-5255-42E9-B3A0-46A27D27861F}" type="presOf" srcId="{ED57E2DC-C7EA-45EE-95B3-DF7DEB3F044D}" destId="{80169A54-DCBF-43D6-B52D-41358F62FC7F}" srcOrd="0" destOrd="0" presId="urn:microsoft.com/office/officeart/2005/8/layout/lProcess3"/>
@@ -2740,6 +2948,10 @@
     <dgm:cxn modelId="{67D269A7-5E57-4A0A-89CA-128A9746A995}" type="presParOf" srcId="{3CB4BB7E-6F66-433B-B6FB-0341021DDD85}" destId="{643746B8-2C36-425E-931C-988838450574}" srcOrd="2" destOrd="0" presId="urn:microsoft.com/office/officeart/2005/8/layout/lProcess3"/>
     <dgm:cxn modelId="{2B96B20E-5F10-4D76-B3F1-C3DB1EED0257}" type="presParOf" srcId="{3CB4BB7E-6F66-433B-B6FB-0341021DDD85}" destId="{4ED4F5A1-6A6C-450D-B753-88B19A863419}" srcOrd="3" destOrd="0" presId="urn:microsoft.com/office/officeart/2005/8/layout/lProcess3"/>
     <dgm:cxn modelId="{D6BCF771-FBD4-4C90-8089-60A340C3F1A7}" type="presParOf" srcId="{3CB4BB7E-6F66-433B-B6FB-0341021DDD85}" destId="{DCCFA68A-5BDE-4141-BA94-429567CF6E45}" srcOrd="4" destOrd="0" presId="urn:microsoft.com/office/officeart/2005/8/layout/lProcess3"/>
+    <dgm:cxn modelId="{29CE0833-FA9F-4558-8574-B1227D98F22C}" type="presParOf" srcId="{3CB4BB7E-6F66-433B-B6FB-0341021DDD85}" destId="{781F0E49-2DE6-4809-B75E-DCFFF7F921BA}" srcOrd="5" destOrd="0" presId="urn:microsoft.com/office/officeart/2005/8/layout/lProcess3"/>
+    <dgm:cxn modelId="{B57B31D8-1643-476C-A0A4-DD7EABF6D763}" type="presParOf" srcId="{3CB4BB7E-6F66-433B-B6FB-0341021DDD85}" destId="{6075A5C5-D171-4A79-B49C-C919AC195423}" srcOrd="6" destOrd="0" presId="urn:microsoft.com/office/officeart/2005/8/layout/lProcess3"/>
+    <dgm:cxn modelId="{E4CAD826-A591-4E12-8E8B-5F4B8F807A66}" type="presParOf" srcId="{3CB4BB7E-6F66-433B-B6FB-0341021DDD85}" destId="{E7432B94-5A63-4434-88E5-040352E67FFB}" srcOrd="7" destOrd="0" presId="urn:microsoft.com/office/officeart/2005/8/layout/lProcess3"/>
+    <dgm:cxn modelId="{031D9F99-2E57-4BDC-8883-213024373CA3}" type="presParOf" srcId="{3CB4BB7E-6F66-433B-B6FB-0341021DDD85}" destId="{3000AE38-D654-4FD7-8574-6FA147E2AC6C}" srcOrd="8" destOrd="0" presId="urn:microsoft.com/office/officeart/2005/8/layout/lProcess3"/>
     <dgm:cxn modelId="{A71FC275-17B4-4942-9670-2D7A194F86FB}" type="presParOf" srcId="{0E2FE25A-28A2-4CAC-8D51-7F9DF9DC89B4}" destId="{AFA60E0B-7DD8-4C1E-A2BB-2C4570083962}" srcOrd="3" destOrd="0" presId="urn:microsoft.com/office/officeart/2005/8/layout/lProcess3"/>
     <dgm:cxn modelId="{4A4659E0-7DD1-4A46-A8D1-27D4A61724A3}" type="presParOf" srcId="{0E2FE25A-28A2-4CAC-8D51-7F9DF9DC89B4}" destId="{5E265106-6499-45A1-BE62-54590DEB6C5E}" srcOrd="4" destOrd="0" presId="urn:microsoft.com/office/officeart/2005/8/layout/lProcess3"/>
     <dgm:cxn modelId="{77674C7A-C0DE-443F-97DF-A26AA86ED495}" type="presParOf" srcId="{5E265106-6499-45A1-BE62-54590DEB6C5E}" destId="{CD46EEEE-C669-49B9-B1D8-BADC8E843FA6}" srcOrd="0" destOrd="0" presId="urn:microsoft.com/office/officeart/2005/8/layout/lProcess3"/>
@@ -3488,6 +3700,164 @@
         <a:ext cx="1174572" cy="783047"/>
       </dsp:txXfrm>
     </dsp:sp>
+    <dsp:sp modelId="{6075A5C5-D171-4A79-B49C-C919AC195423}">
+      <dsp:nvSpPr>
+        <dsp:cNvPr id="0" name=""/>
+        <dsp:cNvSpPr/>
+      </dsp:nvSpPr>
+      <dsp:spPr>
+        <a:xfrm>
+          <a:off x="5567590" y="1157753"/>
+          <a:ext cx="1957619" cy="783047"/>
+        </a:xfrm>
+        <a:prstGeom prst="chevron">
+          <a:avLst/>
+        </a:prstGeom>
+        <a:solidFill>
+          <a:schemeClr val="accent1">
+            <a:alpha val="90000"/>
+            <a:tint val="40000"/>
+            <a:hueOff val="0"/>
+            <a:satOff val="0"/>
+            <a:lumOff val="0"/>
+            <a:alphaOff val="0"/>
+          </a:schemeClr>
+        </a:solidFill>
+        <a:ln w="40000" cap="flat" cmpd="sng" algn="ctr">
+          <a:solidFill>
+            <a:schemeClr val="accent1">
+              <a:alpha val="90000"/>
+              <a:tint val="40000"/>
+              <a:hueOff val="0"/>
+              <a:satOff val="0"/>
+              <a:lumOff val="0"/>
+              <a:alphaOff val="0"/>
+            </a:schemeClr>
+          </a:solidFill>
+          <a:prstDash val="solid"/>
+        </a:ln>
+        <a:effectLst/>
+      </dsp:spPr>
+      <dsp:style>
+        <a:lnRef idx="2">
+          <a:scrgbClr r="0" g="0" b="0"/>
+        </a:lnRef>
+        <a:fillRef idx="1">
+          <a:scrgbClr r="0" g="0" b="0"/>
+        </a:fillRef>
+        <a:effectRef idx="0">
+          <a:scrgbClr r="0" g="0" b="0"/>
+        </a:effectRef>
+        <a:fontRef idx="minor"/>
+      </dsp:style>
+      <dsp:txBody>
+        <a:bodyPr spcFirstLastPara="0" vert="horz" wrap="square" lIns="16510" tIns="8255" rIns="0" bIns="8255" numCol="1" spcCol="1270" anchor="ctr" anchorCtr="0">
+          <a:noAutofit/>
+        </a:bodyPr>
+        <a:lstStyle/>
+        <a:p>
+          <a:pPr marL="0" lvl="0" indent="0" algn="ctr" defTabSz="577850">
+            <a:lnSpc>
+              <a:spcPct val="90000"/>
+            </a:lnSpc>
+            <a:spcBef>
+              <a:spcPct val="0"/>
+            </a:spcBef>
+            <a:spcAft>
+              <a:spcPct val="35000"/>
+            </a:spcAft>
+            <a:buNone/>
+          </a:pPr>
+          <a:r>
+            <a:rPr lang="en-US" sz="1300" kern="1200" dirty="0"/>
+            <a:t>Verify Response time</a:t>
+          </a:r>
+        </a:p>
+      </dsp:txBody>
+      <dsp:txXfrm>
+        <a:off x="5959114" y="1157753"/>
+        <a:ext cx="1174572" cy="783047"/>
+      </dsp:txXfrm>
+    </dsp:sp>
+    <dsp:sp modelId="{3000AE38-D654-4FD7-8574-6FA147E2AC6C}">
+      <dsp:nvSpPr>
+        <dsp:cNvPr id="0" name=""/>
+        <dsp:cNvSpPr/>
+      </dsp:nvSpPr>
+      <dsp:spPr>
+        <a:xfrm>
+          <a:off x="7251142" y="1157753"/>
+          <a:ext cx="1957619" cy="783047"/>
+        </a:xfrm>
+        <a:prstGeom prst="chevron">
+          <a:avLst/>
+        </a:prstGeom>
+        <a:solidFill>
+          <a:schemeClr val="accent1">
+            <a:alpha val="90000"/>
+            <a:tint val="40000"/>
+            <a:hueOff val="0"/>
+            <a:satOff val="0"/>
+            <a:lumOff val="0"/>
+            <a:alphaOff val="0"/>
+          </a:schemeClr>
+        </a:solidFill>
+        <a:ln w="40000" cap="flat" cmpd="sng" algn="ctr">
+          <a:solidFill>
+            <a:schemeClr val="accent1">
+              <a:alpha val="90000"/>
+              <a:tint val="40000"/>
+              <a:hueOff val="0"/>
+              <a:satOff val="0"/>
+              <a:lumOff val="0"/>
+              <a:alphaOff val="0"/>
+            </a:schemeClr>
+          </a:solidFill>
+          <a:prstDash val="solid"/>
+        </a:ln>
+        <a:effectLst/>
+      </dsp:spPr>
+      <dsp:style>
+        <a:lnRef idx="2">
+          <a:scrgbClr r="0" g="0" b="0"/>
+        </a:lnRef>
+        <a:fillRef idx="1">
+          <a:scrgbClr r="0" g="0" b="0"/>
+        </a:fillRef>
+        <a:effectRef idx="0">
+          <a:scrgbClr r="0" g="0" b="0"/>
+        </a:effectRef>
+        <a:fontRef idx="minor"/>
+      </dsp:style>
+      <dsp:txBody>
+        <a:bodyPr spcFirstLastPara="0" vert="horz" wrap="square" lIns="16510" tIns="8255" rIns="0" bIns="8255" numCol="1" spcCol="1270" anchor="ctr" anchorCtr="0">
+          <a:noAutofit/>
+        </a:bodyPr>
+        <a:lstStyle/>
+        <a:p>
+          <a:pPr marL="0" lvl="0" indent="0" algn="ctr" defTabSz="577850">
+            <a:lnSpc>
+              <a:spcPct val="90000"/>
+            </a:lnSpc>
+            <a:spcBef>
+              <a:spcPct val="0"/>
+            </a:spcBef>
+            <a:spcAft>
+              <a:spcPct val="35000"/>
+            </a:spcAft>
+            <a:buNone/>
+          </a:pPr>
+          <a:r>
+            <a:rPr lang="en-US" sz="1300" kern="1200" dirty="0"/>
+            <a:t>Verify response body</a:t>
+          </a:r>
+        </a:p>
+      </dsp:txBody>
+      <dsp:txXfrm>
+        <a:off x="7642666" y="1157753"/>
+        <a:ext cx="1174572" cy="783047"/>
+      </dsp:txXfrm>
+    </dsp:sp>
     <dsp:sp modelId="{CD46EEEE-C669-49B9-B1D8-BADC8E843FA6}">
       <dsp:nvSpPr>
         <dsp:cNvPr id="0" name=""/>
@@ -3718,9 +4088,12 @@
           </a:r>
           <a:r>
             <a:rPr lang="en-US" sz="1300" kern="1200" dirty="0" err="1"/>
-            <a:t>pm.tests</a:t>
+            <a:t>pm.test</a:t>
           </a:r>
-          <a:endParaRPr lang="en-US" sz="1300" kern="1200" dirty="0"/>
+          <a:r>
+            <a:rPr lang="en-US" sz="1300" kern="1200" dirty="0"/>
+            <a:t>()</a:t>
+          </a:r>
         </a:p>
       </dsp:txBody>
       <dsp:txXfrm>
@@ -5421,7 +5794,7 @@
           <a:p>
             <a:fld id="{FEAA62A7-E013-4011-9214-F758270B0499}" type="datetimeFigureOut">
               <a:rPr lang="en-US" smtClean="0"/>
-              <a:t>4/14/2024</a:t>
+              <a:t>4/15/2024</a:t>
             </a:fld>
             <a:endParaRPr lang="en-US"/>
           </a:p>
@@ -5632,7 +6005,7 @@
           <a:p>
             <a:fld id="{FEAA62A7-E013-4011-9214-F758270B0499}" type="datetimeFigureOut">
               <a:rPr lang="en-US" smtClean="0"/>
-              <a:t>4/14/2024</a:t>
+              <a:t>4/15/2024</a:t>
             </a:fld>
             <a:endParaRPr lang="en-US"/>
           </a:p>
@@ -5847,7 +6220,7 @@
           <a:p>
             <a:fld id="{FEAA62A7-E013-4011-9214-F758270B0499}" type="datetimeFigureOut">
               <a:rPr lang="en-US" smtClean="0"/>
-              <a:t>4/14/2024</a:t>
+              <a:t>4/15/2024</a:t>
             </a:fld>
             <a:endParaRPr lang="en-US"/>
           </a:p>
@@ -6048,7 +6421,7 @@
           <a:p>
             <a:fld id="{FEAA62A7-E013-4011-9214-F758270B0499}" type="datetimeFigureOut">
               <a:rPr lang="en-US" smtClean="0"/>
-              <a:t>4/14/2024</a:t>
+              <a:t>4/15/2024</a:t>
             </a:fld>
             <a:endParaRPr lang="en-US"/>
           </a:p>
@@ -6327,7 +6700,7 @@
           <a:p>
             <a:fld id="{FEAA62A7-E013-4011-9214-F758270B0499}" type="datetimeFigureOut">
               <a:rPr lang="en-US" smtClean="0"/>
-              <a:t>4/14/2024</a:t>
+              <a:t>4/15/2024</a:t>
             </a:fld>
             <a:endParaRPr lang="en-US"/>
           </a:p>
@@ -6595,7 +6968,7 @@
           <a:p>
             <a:fld id="{FEAA62A7-E013-4011-9214-F758270B0499}" type="datetimeFigureOut">
               <a:rPr lang="en-US" smtClean="0"/>
-              <a:t>4/14/2024</a:t>
+              <a:t>4/15/2024</a:t>
             </a:fld>
             <a:endParaRPr lang="en-US"/>
           </a:p>
@@ -7011,7 +7384,7 @@
           <a:p>
             <a:fld id="{FEAA62A7-E013-4011-9214-F758270B0499}" type="datetimeFigureOut">
               <a:rPr lang="en-US" smtClean="0"/>
-              <a:t>4/14/2024</a:t>
+              <a:t>4/15/2024</a:t>
             </a:fld>
             <a:endParaRPr lang="en-US"/>
           </a:p>
@@ -7160,7 +7533,7 @@
           <a:p>
             <a:fld id="{FEAA62A7-E013-4011-9214-F758270B0499}" type="datetimeFigureOut">
               <a:rPr lang="en-US" smtClean="0"/>
-              <a:t>4/14/2024</a:t>
+              <a:t>4/15/2024</a:t>
             </a:fld>
             <a:endParaRPr lang="en-US"/>
           </a:p>
@@ -7286,7 +7659,7 @@
           <a:p>
             <a:fld id="{FEAA62A7-E013-4011-9214-F758270B0499}" type="datetimeFigureOut">
               <a:rPr lang="en-US" smtClean="0"/>
-              <a:t>4/14/2024</a:t>
+              <a:t>4/15/2024</a:t>
             </a:fld>
             <a:endParaRPr lang="en-US"/>
           </a:p>
@@ -7537,7 +7910,7 @@
           <a:p>
             <a:fld id="{FEAA62A7-E013-4011-9214-F758270B0499}" type="datetimeFigureOut">
               <a:rPr lang="en-US" smtClean="0"/>
-              <a:t>4/14/2024</a:t>
+              <a:t>4/15/2024</a:t>
             </a:fld>
             <a:endParaRPr lang="en-US"/>
           </a:p>
@@ -7982,7 +8355,7 @@
           <a:p>
             <a:fld id="{FEAA62A7-E013-4011-9214-F758270B0499}" type="datetimeFigureOut">
               <a:rPr lang="en-US" smtClean="0"/>
-              <a:t>4/14/2024</a:t>
+              <a:t>4/15/2024</a:t>
             </a:fld>
             <a:endParaRPr lang="en-US"/>
           </a:p>
@@ -8309,7 +8682,7 @@
           <a:p>
             <a:fld id="{FEAA62A7-E013-4011-9214-F758270B0499}" type="datetimeFigureOut">
               <a:rPr lang="en-US" smtClean="0"/>
-              <a:t>4/14/2024</a:t>
+              <a:t>4/15/2024</a:t>
             </a:fld>
             <a:endParaRPr lang="en-US"/>
           </a:p>
@@ -9164,135 +9537,6 @@
           <p:cNvPr id="2" name="Title 1">
             <a:extLst>
               <a:ext uri="{FF2B5EF4-FFF2-40B4-BE49-F238E27FC236}">
-                <a16:creationId xmlns:a16="http://schemas.microsoft.com/office/drawing/2014/main" id="{C1114534-2E53-8A54-DEC7-439EBE35DAB0}"/>
-              </a:ext>
-            </a:extLst>
-          </p:cNvPr>
-          <p:cNvSpPr>
-            <a:spLocks noGrp="1"/>
-          </p:cNvSpPr>
-          <p:nvPr>
-            <p:ph type="title"/>
-          </p:nvPr>
-        </p:nvSpPr>
-        <p:spPr/>
-        <p:txBody>
-          <a:bodyPr>
-            <a:normAutofit/>
-          </a:bodyPr>
-          <a:lstStyle/>
-          <a:p>
-            <a:r>
-              <a:rPr lang="en-US" dirty="0"/>
-              <a:t>Automation using pre-request script</a:t>
-            </a:r>
-            <a:br>
-              <a:rPr lang="en-US" dirty="0"/>
-            </a:br>
-            <a:endParaRPr lang="en-US" dirty="0"/>
-          </a:p>
-        </p:txBody>
-      </p:sp>
-      <p:sp>
-        <p:nvSpPr>
-          <p:cNvPr id="3" name="Content Placeholder 2">
-            <a:extLst>
-              <a:ext uri="{FF2B5EF4-FFF2-40B4-BE49-F238E27FC236}">
-                <a16:creationId xmlns:a16="http://schemas.microsoft.com/office/drawing/2014/main" id="{E6BAC331-769C-C11F-184F-D68053A0CBA6}"/>
-              </a:ext>
-            </a:extLst>
-          </p:cNvPr>
-          <p:cNvSpPr>
-            <a:spLocks noGrp="1"/>
-          </p:cNvSpPr>
-          <p:nvPr>
-            <p:ph idx="1"/>
-          </p:nvPr>
-        </p:nvSpPr>
-        <p:spPr/>
-        <p:txBody>
-          <a:bodyPr/>
-          <a:lstStyle/>
-          <a:p>
-            <a:endParaRPr lang="en-US" dirty="0"/>
-          </a:p>
-        </p:txBody>
-      </p:sp>
-      <p:pic>
-        <p:nvPicPr>
-          <p:cNvPr id="5" name="Picture 4">
-            <a:extLst>
-              <a:ext uri="{FF2B5EF4-FFF2-40B4-BE49-F238E27FC236}">
-                <a16:creationId xmlns:a16="http://schemas.microsoft.com/office/drawing/2014/main" id="{1F6FE76D-C287-1F62-5278-FFCB3467C7D6}"/>
-              </a:ext>
-            </a:extLst>
-          </p:cNvPr>
-          <p:cNvPicPr>
-            <a:picLocks noChangeAspect="1"/>
-          </p:cNvPicPr>
-          <p:nvPr/>
-        </p:nvPicPr>
-        <p:blipFill>
-          <a:blip r:embed="rId2"/>
-          <a:stretch>
-            <a:fillRect/>
-          </a:stretch>
-        </p:blipFill>
-        <p:spPr>
-          <a:xfrm>
-            <a:off x="1474830" y="1667487"/>
-            <a:ext cx="6973273" cy="4467849"/>
-          </a:xfrm>
-          <a:prstGeom prst="rect">
-            <a:avLst/>
-          </a:prstGeom>
-          <a:ln>
-            <a:noFill/>
-          </a:ln>
-          <a:effectLst>
-            <a:outerShdw blurRad="190500" algn="tl" rotWithShape="0">
-              <a:srgbClr val="000000">
-                <a:alpha val="70000"/>
-              </a:srgbClr>
-            </a:outerShdw>
-          </a:effectLst>
-        </p:spPr>
-      </p:pic>
-    </p:spTree>
-    <p:extLst>
-      <p:ext uri="{BB962C8B-B14F-4D97-AF65-F5344CB8AC3E}">
-        <p14:creationId xmlns:p14="http://schemas.microsoft.com/office/powerpoint/2010/main" val="4132822026"/>
-      </p:ext>
-    </p:extLst>
-  </p:cSld>
-  <p:clrMapOvr>
-    <a:masterClrMapping/>
-  </p:clrMapOvr>
-</p:sld>
-</file>
-
-<file path=ppt/slides/slide11.xml><?xml version="1.0" encoding="utf-8"?>
-<p:sld xmlns:a="http://schemas.openxmlformats.org/drawingml/2006/main" xmlns:r="http://schemas.openxmlformats.org/officeDocument/2006/relationships" xmlns:p="http://schemas.openxmlformats.org/presentationml/2006/main">
-  <p:cSld>
-    <p:spTree>
-      <p:nvGrpSpPr>
-        <p:cNvPr id="1" name=""/>
-        <p:cNvGrpSpPr/>
-        <p:nvPr/>
-      </p:nvGrpSpPr>
-      <p:grpSpPr>
-        <a:xfrm>
-          <a:off x="0" y="0"/>
-          <a:ext cx="0" cy="0"/>
-          <a:chOff x="0" y="0"/>
-          <a:chExt cx="0" cy="0"/>
-        </a:xfrm>
-      </p:grpSpPr>
-      <p:sp>
-        <p:nvSpPr>
-          <p:cNvPr id="2" name="Title 1">
-            <a:extLst>
-              <a:ext uri="{FF2B5EF4-FFF2-40B4-BE49-F238E27FC236}">
                 <a16:creationId xmlns:a16="http://schemas.microsoft.com/office/drawing/2014/main" id="{031B9403-5E7A-73F3-857D-312EF930B04E}"/>
               </a:ext>
             </a:extLst>
@@ -9389,7 +9633,7 @@
 </p:sld>
 </file>
 
-<file path=ppt/slides/slide12.xml><?xml version="1.0" encoding="utf-8"?>
+<file path=ppt/slides/slide11.xml><?xml version="1.0" encoding="utf-8"?>
 <p:sld xmlns:a="http://schemas.openxmlformats.org/drawingml/2006/main" xmlns:r="http://schemas.openxmlformats.org/officeDocument/2006/relationships" xmlns:p="http://schemas.openxmlformats.org/presentationml/2006/main">
   <p:cSld>
     <p:spTree>
@@ -9464,8 +9708,8 @@
         </p:blipFill>
         <p:spPr>
           <a:xfrm>
-            <a:off x="1275662" y="1990725"/>
-            <a:ext cx="5094604" cy="3449638"/>
+            <a:off x="308442" y="1853754"/>
+            <a:ext cx="7074492" cy="4790252"/>
           </a:xfrm>
           <a:prstGeom prst="rect">
             <a:avLst/>
@@ -9504,7 +9748,7 @@
         </p:blipFill>
         <p:spPr>
           <a:xfrm>
-            <a:off x="6825419" y="2395393"/>
+            <a:off x="7451952" y="2395393"/>
             <a:ext cx="4315427" cy="2067213"/>
           </a:xfrm>
           <a:prstGeom prst="rect">
@@ -9535,7 +9779,7 @@
 </p:sld>
 </file>
 
-<file path=ppt/slides/slide13.xml><?xml version="1.0" encoding="utf-8"?>
+<file path=ppt/slides/slide12.xml><?xml version="1.0" encoding="utf-8"?>
 <p:sld xmlns:a="http://schemas.openxmlformats.org/drawingml/2006/main" xmlns:r="http://schemas.openxmlformats.org/officeDocument/2006/relationships" xmlns:p="http://schemas.openxmlformats.org/presentationml/2006/main">
   <p:cSld>
     <p:spTree>
@@ -9659,7 +9903,7 @@
 </p:sld>
 </file>
 
-<file path=ppt/slides/slide14.xml><?xml version="1.0" encoding="utf-8"?>
+<file path=ppt/slides/slide13.xml><?xml version="1.0" encoding="utf-8"?>
 <p:sld xmlns:a="http://schemas.openxmlformats.org/drawingml/2006/main" xmlns:r="http://schemas.openxmlformats.org/officeDocument/2006/relationships" xmlns:p="http://schemas.openxmlformats.org/presentationml/2006/main">
   <p:cSld>
     <p:spTree>
@@ -9704,7 +9948,7 @@
           <a:p>
             <a:r>
               <a:rPr lang="en-US" dirty="0"/>
-              <a:t>Automation and results</a:t>
+              <a:t>Automation  and  results</a:t>
             </a:r>
           </a:p>
         </p:txBody>
@@ -9777,7 +10021,7 @@
 </p:sld>
 </file>
 
-<file path=ppt/slides/slide15.xml><?xml version="1.0" encoding="utf-8"?>
+<file path=ppt/slides/slide14.xml><?xml version="1.0" encoding="utf-8"?>
 <p:sld xmlns:a="http://schemas.openxmlformats.org/drawingml/2006/main" xmlns:r="http://schemas.openxmlformats.org/officeDocument/2006/relationships" xmlns:p="http://schemas.openxmlformats.org/presentationml/2006/main">
   <p:cSld>
     <p:spTree>
@@ -9847,7 +10091,7 @@
 </p:sld>
 </file>
 
-<file path=ppt/slides/slide16.xml><?xml version="1.0" encoding="utf-8"?>
+<file path=ppt/slides/slide15.xml><?xml version="1.0" encoding="utf-8"?>
 <p:sld xmlns:a="http://schemas.openxmlformats.org/drawingml/2006/main" xmlns:r="http://schemas.openxmlformats.org/officeDocument/2006/relationships" xmlns:p="http://schemas.openxmlformats.org/presentationml/2006/main">
   <p:cSld>
     <p:spTree>
@@ -10066,7 +10310,7 @@
 </p:sld>
 </file>
 
-<file path=ppt/slides/slide17.xml><?xml version="1.0" encoding="utf-8"?>
+<file path=ppt/slides/slide16.xml><?xml version="1.0" encoding="utf-8"?>
 <p:sld xmlns:a="http://schemas.openxmlformats.org/drawingml/2006/main" xmlns:r="http://schemas.openxmlformats.org/officeDocument/2006/relationships" xmlns:p="http://schemas.openxmlformats.org/presentationml/2006/main">
   <p:cSld>
     <p:spTree>
@@ -10216,7 +10460,7 @@
 </p:sld>
 </file>
 
-<file path=ppt/slides/slide18.xml><?xml version="1.0" encoding="utf-8"?>
+<file path=ppt/slides/slide17.xml><?xml version="1.0" encoding="utf-8"?>
 <p:sld xmlns:a="http://schemas.openxmlformats.org/drawingml/2006/main" xmlns:r="http://schemas.openxmlformats.org/officeDocument/2006/relationships" xmlns:p="http://schemas.openxmlformats.org/presentationml/2006/main">
   <p:cSld>
     <p:spTree>
@@ -10625,10 +10869,38 @@
       </p:grpSpPr>
       <p:sp>
         <p:nvSpPr>
+          <p:cNvPr id="2" name="Title 1">
+            <a:extLst>
+              <a:ext uri="{FF2B5EF4-FFF2-40B4-BE49-F238E27FC236}">
+                <a16:creationId xmlns:a16="http://schemas.microsoft.com/office/drawing/2014/main" id="{0F7963B6-831B-AA99-78DC-2D81A3C7E202}"/>
+              </a:ext>
+            </a:extLst>
+          </p:cNvPr>
+          <p:cNvSpPr>
+            <a:spLocks noGrp="1"/>
+          </p:cNvSpPr>
+          <p:nvPr>
+            <p:ph type="title"/>
+          </p:nvPr>
+        </p:nvSpPr>
+        <p:spPr/>
+        <p:txBody>
+          <a:bodyPr/>
+          <a:lstStyle/>
+          <a:p>
+            <a:r>
+              <a:rPr lang="en-US" dirty="0"/>
+              <a:t>Tools and Environments</a:t>
+            </a:r>
+          </a:p>
+        </p:txBody>
+      </p:sp>
+      <p:sp>
+        <p:nvSpPr>
           <p:cNvPr id="3" name="Content Placeholder 2">
             <a:extLst>
               <a:ext uri="{FF2B5EF4-FFF2-40B4-BE49-F238E27FC236}">
-                <a16:creationId xmlns:a16="http://schemas.microsoft.com/office/drawing/2014/main" id="{200A2639-1C72-A713-7D97-D8E638202792}"/>
+                <a16:creationId xmlns:a16="http://schemas.microsoft.com/office/drawing/2014/main" id="{D6AD7568-9FFD-2FB2-D6B0-45EC09F0D6ED}"/>
               </a:ext>
             </a:extLst>
           </p:cNvPr>
@@ -10641,18 +10913,51 @@
         </p:nvSpPr>
         <p:spPr/>
         <p:txBody>
-          <a:bodyPr/>
+          <a:bodyPr>
+            <a:normAutofit/>
+          </a:bodyPr>
           <a:lstStyle/>
           <a:p>
             <a:r>
               <a:rPr lang="en-US" dirty="0"/>
-              <a:t>Used the above data from swagger documentation to create API requests. </a:t>
+              <a:t>Postman used as the primary tool used for testing the ShopperStack API.</a:t>
             </a:r>
           </a:p>
           <a:p>
+            <a:pPr lvl="1"/>
             <a:r>
               <a:rPr lang="en-US" dirty="0"/>
-              <a:t>Used the response data to create responses for tests. </a:t>
+              <a:t>Postman is a popular API development and testing platform that provides a user-friendly interface for designing, testing, and debugging APIs.</a:t>
+            </a:r>
+          </a:p>
+          <a:p>
+            <a:r>
+              <a:rPr lang="en-US" dirty="0"/>
+              <a:t>Key features of Postman that were utilized in your testing process, such as:</a:t>
+            </a:r>
+          </a:p>
+          <a:p>
+            <a:pPr lvl="1"/>
+            <a:r>
+              <a:rPr lang="en-US" u="sng" dirty="0"/>
+              <a:t>Creating and sending HTTP requests </a:t>
+            </a:r>
+            <a:r>
+              <a:rPr lang="en-US" dirty="0"/>
+              <a:t>(GET, POST, PUT, DELETE, etc.).</a:t>
+            </a:r>
+          </a:p>
+          <a:p>
+            <a:pPr lvl="1"/>
+            <a:r>
+              <a:rPr lang="en-US" dirty="0"/>
+              <a:t>Writing and executing test scripts to automate validation and verification.</a:t>
+            </a:r>
+          </a:p>
+          <a:p>
+            <a:r>
+              <a:rPr lang="en-US" dirty="0"/>
+              <a:t>There are others features provided by postman as well, but I used only these two. </a:t>
             </a:r>
           </a:p>
         </p:txBody>
@@ -10660,7 +10965,7 @@
     </p:spTree>
     <p:extLst>
       <p:ext uri="{BB962C8B-B14F-4D97-AF65-F5344CB8AC3E}">
-        <p14:creationId xmlns:p14="http://schemas.microsoft.com/office/powerpoint/2010/main" val="667645948"/>
+        <p14:creationId xmlns:p14="http://schemas.microsoft.com/office/powerpoint/2010/main" val="591139764"/>
       </p:ext>
     </p:extLst>
   </p:cSld>
@@ -10777,6 +11082,41 @@
           </a:effectLst>
         </p:spPr>
       </p:pic>
+      <p:sp>
+        <p:nvSpPr>
+          <p:cNvPr id="6" name="TextBox 5">
+            <a:extLst>
+              <a:ext uri="{FF2B5EF4-FFF2-40B4-BE49-F238E27FC236}">
+                <a16:creationId xmlns:a16="http://schemas.microsoft.com/office/drawing/2014/main" id="{F7B8AD5F-FC0A-9396-45A6-F5061077205E}"/>
+              </a:ext>
+            </a:extLst>
+          </p:cNvPr>
+          <p:cNvSpPr txBox="1"/>
+          <p:nvPr/>
+        </p:nvSpPr>
+        <p:spPr>
+          <a:xfrm>
+            <a:off x="314433" y="4051007"/>
+            <a:ext cx="3747613" cy="923330"/>
+          </a:xfrm>
+          <a:prstGeom prst="rect">
+            <a:avLst/>
+          </a:prstGeom>
+          <a:noFill/>
+        </p:spPr>
+        <p:txBody>
+          <a:bodyPr wrap="square">
+            <a:spAutoFit/>
+          </a:bodyPr>
+          <a:lstStyle/>
+          <a:p>
+            <a:r>
+              <a:rPr lang="en-US" b="1" dirty="0"/>
+              <a:t>Used the data from swagger documentation to create API requests</a:t>
+            </a:r>
+          </a:p>
+        </p:txBody>
+      </p:sp>
     </p:spTree>
     <p:extLst>
       <p:ext uri="{BB962C8B-B14F-4D97-AF65-F5344CB8AC3E}">
@@ -10897,6 +11237,41 @@
           </a:effectLst>
         </p:spPr>
       </p:pic>
+      <p:sp>
+        <p:nvSpPr>
+          <p:cNvPr id="6" name="TextBox 5">
+            <a:extLst>
+              <a:ext uri="{FF2B5EF4-FFF2-40B4-BE49-F238E27FC236}">
+                <a16:creationId xmlns:a16="http://schemas.microsoft.com/office/drawing/2014/main" id="{50B0526A-0E68-CA05-1CBD-45191A040B47}"/>
+              </a:ext>
+            </a:extLst>
+          </p:cNvPr>
+          <p:cNvSpPr txBox="1"/>
+          <p:nvPr/>
+        </p:nvSpPr>
+        <p:spPr>
+          <a:xfrm>
+            <a:off x="153865" y="2187341"/>
+            <a:ext cx="1674935" cy="1477328"/>
+          </a:xfrm>
+          <a:prstGeom prst="rect">
+            <a:avLst/>
+          </a:prstGeom>
+          <a:noFill/>
+        </p:spPr>
+        <p:txBody>
+          <a:bodyPr wrap="square">
+            <a:spAutoFit/>
+          </a:bodyPr>
+          <a:lstStyle/>
+          <a:p>
+            <a:r>
+              <a:rPr lang="en-US" b="1" dirty="0"/>
+              <a:t>Used the response data to create responses for tests. </a:t>
+            </a:r>
+          </a:p>
+        </p:txBody>
+      </p:sp>
     </p:spTree>
     <p:extLst>
       <p:ext uri="{BB962C8B-B14F-4D97-AF65-F5344CB8AC3E}">
@@ -10911,131 +11286,6 @@
 </file>
 
 <file path=ppt/slides/slide7.xml><?xml version="1.0" encoding="utf-8"?>
-<p:sld xmlns:a="http://schemas.openxmlformats.org/drawingml/2006/main" xmlns:r="http://schemas.openxmlformats.org/officeDocument/2006/relationships" xmlns:p="http://schemas.openxmlformats.org/presentationml/2006/main">
-  <p:cSld>
-    <p:spTree>
-      <p:nvGrpSpPr>
-        <p:cNvPr id="1" name=""/>
-        <p:cNvGrpSpPr/>
-        <p:nvPr/>
-      </p:nvGrpSpPr>
-      <p:grpSpPr>
-        <a:xfrm>
-          <a:off x="0" y="0"/>
-          <a:ext cx="0" cy="0"/>
-          <a:chOff x="0" y="0"/>
-          <a:chExt cx="0" cy="0"/>
-        </a:xfrm>
-      </p:grpSpPr>
-      <p:sp>
-        <p:nvSpPr>
-          <p:cNvPr id="2" name="Title 1">
-            <a:extLst>
-              <a:ext uri="{FF2B5EF4-FFF2-40B4-BE49-F238E27FC236}">
-                <a16:creationId xmlns:a16="http://schemas.microsoft.com/office/drawing/2014/main" id="{0F7963B6-831B-AA99-78DC-2D81A3C7E202}"/>
-              </a:ext>
-            </a:extLst>
-          </p:cNvPr>
-          <p:cNvSpPr>
-            <a:spLocks noGrp="1"/>
-          </p:cNvSpPr>
-          <p:nvPr>
-            <p:ph type="title"/>
-          </p:nvPr>
-        </p:nvSpPr>
-        <p:spPr/>
-        <p:txBody>
-          <a:bodyPr/>
-          <a:lstStyle/>
-          <a:p>
-            <a:r>
-              <a:rPr lang="en-US" dirty="0"/>
-              <a:t>Tools and Environments</a:t>
-            </a:r>
-          </a:p>
-        </p:txBody>
-      </p:sp>
-      <p:sp>
-        <p:nvSpPr>
-          <p:cNvPr id="3" name="Content Placeholder 2">
-            <a:extLst>
-              <a:ext uri="{FF2B5EF4-FFF2-40B4-BE49-F238E27FC236}">
-                <a16:creationId xmlns:a16="http://schemas.microsoft.com/office/drawing/2014/main" id="{D6AD7568-9FFD-2FB2-D6B0-45EC09F0D6ED}"/>
-              </a:ext>
-            </a:extLst>
-          </p:cNvPr>
-          <p:cNvSpPr>
-            <a:spLocks noGrp="1"/>
-          </p:cNvSpPr>
-          <p:nvPr>
-            <p:ph idx="1"/>
-          </p:nvPr>
-        </p:nvSpPr>
-        <p:spPr/>
-        <p:txBody>
-          <a:bodyPr>
-            <a:normAutofit/>
-          </a:bodyPr>
-          <a:lstStyle/>
-          <a:p>
-            <a:r>
-              <a:rPr lang="en-US" dirty="0"/>
-              <a:t>Postman used as the primary tool used for testing the ShopperStack API.</a:t>
-            </a:r>
-          </a:p>
-          <a:p>
-            <a:pPr lvl="1"/>
-            <a:r>
-              <a:rPr lang="en-US" dirty="0"/>
-              <a:t>Postman is a popular API development and testing platform that provides a user-friendly interface for designing, testing, and debugging APIs.</a:t>
-            </a:r>
-          </a:p>
-          <a:p>
-            <a:r>
-              <a:rPr lang="en-US" dirty="0"/>
-              <a:t>Key features of Postman that were utilized in your testing process, such as:</a:t>
-            </a:r>
-          </a:p>
-          <a:p>
-            <a:pPr lvl="1"/>
-            <a:r>
-              <a:rPr lang="en-US" u="sng" dirty="0"/>
-              <a:t>Creating and sending HTTP requests </a:t>
-            </a:r>
-            <a:r>
-              <a:rPr lang="en-US" dirty="0"/>
-              <a:t>(GET, POST, PUT, DELETE, etc.).</a:t>
-            </a:r>
-          </a:p>
-          <a:p>
-            <a:pPr lvl="1"/>
-            <a:r>
-              <a:rPr lang="en-US" dirty="0"/>
-              <a:t>Writing and executing test scripts to automate validation and verification.</a:t>
-            </a:r>
-          </a:p>
-          <a:p>
-            <a:r>
-              <a:rPr lang="en-US" dirty="0"/>
-              <a:t>There are others features provided by postman as well, but I used only these two. </a:t>
-            </a:r>
-          </a:p>
-        </p:txBody>
-      </p:sp>
-    </p:spTree>
-    <p:extLst>
-      <p:ext uri="{BB962C8B-B14F-4D97-AF65-F5344CB8AC3E}">
-        <p14:creationId xmlns:p14="http://schemas.microsoft.com/office/powerpoint/2010/main" val="591139764"/>
-      </p:ext>
-    </p:extLst>
-  </p:cSld>
-  <p:clrMapOvr>
-    <a:masterClrMapping/>
-  </p:clrMapOvr>
-</p:sld>
-</file>
-
-<file path=ppt/slides/slide8.xml><?xml version="1.0" encoding="utf-8"?>
 <p:sld xmlns:a="http://schemas.openxmlformats.org/drawingml/2006/main" xmlns:r="http://schemas.openxmlformats.org/officeDocument/2006/relationships" xmlns:p="http://schemas.openxmlformats.org/presentationml/2006/main">
   <p:cSld>
     <p:spTree>
@@ -11101,7 +11351,7 @@
             <p:ph idx="1"/>
             <p:extLst>
               <p:ext uri="{D42A27DB-BD31-4B8C-83A1-F6EECF244321}">
-                <p14:modId xmlns:p14="http://schemas.microsoft.com/office/powerpoint/2010/main" val="1280388060"/>
+                <p14:modId xmlns:p14="http://schemas.microsoft.com/office/powerpoint/2010/main" val="3012619582"/>
               </p:ext>
             </p:extLst>
           </p:nvPr>
@@ -11129,7 +11379,7 @@
 </p:sld>
 </file>
 
-<file path=ppt/slides/slide9.xml><?xml version="1.0" encoding="utf-8"?>
+<file path=ppt/slides/slide8.xml><?xml version="1.0" encoding="utf-8"?>
 <p:sld xmlns:a="http://schemas.openxmlformats.org/drawingml/2006/main" xmlns:r="http://schemas.openxmlformats.org/officeDocument/2006/relationships" xmlns:p="http://schemas.openxmlformats.org/presentationml/2006/main">
   <p:cSld>
     <p:spTree>
@@ -11238,6 +11488,135 @@
     <p:extLst>
       <p:ext uri="{BB962C8B-B14F-4D97-AF65-F5344CB8AC3E}">
         <p14:creationId xmlns:p14="http://schemas.microsoft.com/office/powerpoint/2010/main" val="1960628736"/>
+      </p:ext>
+    </p:extLst>
+  </p:cSld>
+  <p:clrMapOvr>
+    <a:masterClrMapping/>
+  </p:clrMapOvr>
+</p:sld>
+</file>
+
+<file path=ppt/slides/slide9.xml><?xml version="1.0" encoding="utf-8"?>
+<p:sld xmlns:a="http://schemas.openxmlformats.org/drawingml/2006/main" xmlns:r="http://schemas.openxmlformats.org/officeDocument/2006/relationships" xmlns:p="http://schemas.openxmlformats.org/presentationml/2006/main">
+  <p:cSld>
+    <p:spTree>
+      <p:nvGrpSpPr>
+        <p:cNvPr id="1" name=""/>
+        <p:cNvGrpSpPr/>
+        <p:nvPr/>
+      </p:nvGrpSpPr>
+      <p:grpSpPr>
+        <a:xfrm>
+          <a:off x="0" y="0"/>
+          <a:ext cx="0" cy="0"/>
+          <a:chOff x="0" y="0"/>
+          <a:chExt cx="0" cy="0"/>
+        </a:xfrm>
+      </p:grpSpPr>
+      <p:sp>
+        <p:nvSpPr>
+          <p:cNvPr id="2" name="Title 1">
+            <a:extLst>
+              <a:ext uri="{FF2B5EF4-FFF2-40B4-BE49-F238E27FC236}">
+                <a16:creationId xmlns:a16="http://schemas.microsoft.com/office/drawing/2014/main" id="{C1114534-2E53-8A54-DEC7-439EBE35DAB0}"/>
+              </a:ext>
+            </a:extLst>
+          </p:cNvPr>
+          <p:cNvSpPr>
+            <a:spLocks noGrp="1"/>
+          </p:cNvSpPr>
+          <p:nvPr>
+            <p:ph type="title"/>
+          </p:nvPr>
+        </p:nvSpPr>
+        <p:spPr/>
+        <p:txBody>
+          <a:bodyPr>
+            <a:normAutofit/>
+          </a:bodyPr>
+          <a:lstStyle/>
+          <a:p>
+            <a:r>
+              <a:rPr lang="en-US" dirty="0"/>
+              <a:t>Automation using pre-request script</a:t>
+            </a:r>
+            <a:br>
+              <a:rPr lang="en-US" dirty="0"/>
+            </a:br>
+            <a:endParaRPr lang="en-US" dirty="0"/>
+          </a:p>
+        </p:txBody>
+      </p:sp>
+      <p:sp>
+        <p:nvSpPr>
+          <p:cNvPr id="3" name="Content Placeholder 2">
+            <a:extLst>
+              <a:ext uri="{FF2B5EF4-FFF2-40B4-BE49-F238E27FC236}">
+                <a16:creationId xmlns:a16="http://schemas.microsoft.com/office/drawing/2014/main" id="{E6BAC331-769C-C11F-184F-D68053A0CBA6}"/>
+              </a:ext>
+            </a:extLst>
+          </p:cNvPr>
+          <p:cNvSpPr>
+            <a:spLocks noGrp="1"/>
+          </p:cNvSpPr>
+          <p:nvPr>
+            <p:ph idx="1"/>
+          </p:nvPr>
+        </p:nvSpPr>
+        <p:spPr/>
+        <p:txBody>
+          <a:bodyPr/>
+          <a:lstStyle/>
+          <a:p>
+            <a:endParaRPr lang="en-US" dirty="0"/>
+          </a:p>
+        </p:txBody>
+      </p:sp>
+      <p:pic>
+        <p:nvPicPr>
+          <p:cNvPr id="5" name="Picture 4">
+            <a:extLst>
+              <a:ext uri="{FF2B5EF4-FFF2-40B4-BE49-F238E27FC236}">
+                <a16:creationId xmlns:a16="http://schemas.microsoft.com/office/drawing/2014/main" id="{1F6FE76D-C287-1F62-5278-FFCB3467C7D6}"/>
+              </a:ext>
+            </a:extLst>
+          </p:cNvPr>
+          <p:cNvPicPr>
+            <a:picLocks noChangeAspect="1"/>
+          </p:cNvPicPr>
+          <p:nvPr/>
+        </p:nvPicPr>
+        <p:blipFill>
+          <a:blip r:embed="rId2"/>
+          <a:stretch>
+            <a:fillRect/>
+          </a:stretch>
+        </p:blipFill>
+        <p:spPr>
+          <a:xfrm>
+            <a:off x="1474830" y="1667487"/>
+            <a:ext cx="6973273" cy="4467849"/>
+          </a:xfrm>
+          <a:prstGeom prst="rect">
+            <a:avLst/>
+          </a:prstGeom>
+          <a:ln>
+            <a:noFill/>
+          </a:ln>
+          <a:effectLst>
+            <a:outerShdw blurRad="190500" algn="tl" rotWithShape="0">
+              <a:srgbClr val="000000">
+                <a:alpha val="70000"/>
+              </a:srgbClr>
+            </a:outerShdw>
+          </a:effectLst>
+        </p:spPr>
+      </p:pic>
+    </p:spTree>
+    <p:extLst>
+      <p:ext uri="{BB962C8B-B14F-4D97-AF65-F5344CB8AC3E}">
+        <p14:creationId xmlns:p14="http://schemas.microsoft.com/office/powerpoint/2010/main" val="4132822026"/>
       </p:ext>
     </p:extLst>
   </p:cSld>
